--- a/2. 연구사업(2023년)/9. 다이어그램/Diagram.pptx
+++ b/2. 연구사업(2023년)/9. 다이어그램/Diagram.pptx
@@ -104,6 +104,11 @@
       </a:defRPr>
     </a:lvl9pPr>
   </p:defaultTextStyle>
+  <p:extLst>
+    <p:ext uri="{EFAFB233-063F-42B5-8137-9DF3F51BA10A}">
+      <p15:sldGuideLst xmlns:p15="http://schemas.microsoft.com/office/powerpoint/2012/main"/>
+    </p:ext>
+  </p:extLst>
 </p:presentation>
 </file>
 
@@ -238,7 +243,7 @@
           <a:p>
             <a:fld id="{B5B64EBE-96C9-45E3-A719-76459E229680}" type="datetimeFigureOut">
               <a:rPr lang="ko-KR" altLang="en-US" smtClean="0"/>
-              <a:t>2023-10-20</a:t>
+              <a:t>2023-10-23</a:t>
             </a:fld>
             <a:endParaRPr lang="ko-KR" altLang="en-US"/>
           </a:p>
@@ -408,7 +413,7 @@
           <a:p>
             <a:fld id="{B5B64EBE-96C9-45E3-A719-76459E229680}" type="datetimeFigureOut">
               <a:rPr lang="ko-KR" altLang="en-US" smtClean="0"/>
-              <a:t>2023-10-20</a:t>
+              <a:t>2023-10-23</a:t>
             </a:fld>
             <a:endParaRPr lang="ko-KR" altLang="en-US"/>
           </a:p>
@@ -588,7 +593,7 @@
           <a:p>
             <a:fld id="{B5B64EBE-96C9-45E3-A719-76459E229680}" type="datetimeFigureOut">
               <a:rPr lang="ko-KR" altLang="en-US" smtClean="0"/>
-              <a:t>2023-10-20</a:t>
+              <a:t>2023-10-23</a:t>
             </a:fld>
             <a:endParaRPr lang="ko-KR" altLang="en-US"/>
           </a:p>
@@ -758,7 +763,7 @@
           <a:p>
             <a:fld id="{B5B64EBE-96C9-45E3-A719-76459E229680}" type="datetimeFigureOut">
               <a:rPr lang="ko-KR" altLang="en-US" smtClean="0"/>
-              <a:t>2023-10-20</a:t>
+              <a:t>2023-10-23</a:t>
             </a:fld>
             <a:endParaRPr lang="ko-KR" altLang="en-US"/>
           </a:p>
@@ -1004,7 +1009,7 @@
           <a:p>
             <a:fld id="{B5B64EBE-96C9-45E3-A719-76459E229680}" type="datetimeFigureOut">
               <a:rPr lang="ko-KR" altLang="en-US" smtClean="0"/>
-              <a:t>2023-10-20</a:t>
+              <a:t>2023-10-23</a:t>
             </a:fld>
             <a:endParaRPr lang="ko-KR" altLang="en-US"/>
           </a:p>
@@ -1236,7 +1241,7 @@
           <a:p>
             <a:fld id="{B5B64EBE-96C9-45E3-A719-76459E229680}" type="datetimeFigureOut">
               <a:rPr lang="ko-KR" altLang="en-US" smtClean="0"/>
-              <a:t>2023-10-20</a:t>
+              <a:t>2023-10-23</a:t>
             </a:fld>
             <a:endParaRPr lang="ko-KR" altLang="en-US"/>
           </a:p>
@@ -1603,7 +1608,7 @@
           <a:p>
             <a:fld id="{B5B64EBE-96C9-45E3-A719-76459E229680}" type="datetimeFigureOut">
               <a:rPr lang="ko-KR" altLang="en-US" smtClean="0"/>
-              <a:t>2023-10-20</a:t>
+              <a:t>2023-10-23</a:t>
             </a:fld>
             <a:endParaRPr lang="ko-KR" altLang="en-US"/>
           </a:p>
@@ -1721,7 +1726,7 @@
           <a:p>
             <a:fld id="{B5B64EBE-96C9-45E3-A719-76459E229680}" type="datetimeFigureOut">
               <a:rPr lang="ko-KR" altLang="en-US" smtClean="0"/>
-              <a:t>2023-10-20</a:t>
+              <a:t>2023-10-23</a:t>
             </a:fld>
             <a:endParaRPr lang="ko-KR" altLang="en-US"/>
           </a:p>
@@ -1816,7 +1821,7 @@
           <a:p>
             <a:fld id="{B5B64EBE-96C9-45E3-A719-76459E229680}" type="datetimeFigureOut">
               <a:rPr lang="ko-KR" altLang="en-US" smtClean="0"/>
-              <a:t>2023-10-20</a:t>
+              <a:t>2023-10-23</a:t>
             </a:fld>
             <a:endParaRPr lang="ko-KR" altLang="en-US"/>
           </a:p>
@@ -2093,7 +2098,7 @@
           <a:p>
             <a:fld id="{B5B64EBE-96C9-45E3-A719-76459E229680}" type="datetimeFigureOut">
               <a:rPr lang="ko-KR" altLang="en-US" smtClean="0"/>
-              <a:t>2023-10-20</a:t>
+              <a:t>2023-10-23</a:t>
             </a:fld>
             <a:endParaRPr lang="ko-KR" altLang="en-US"/>
           </a:p>
@@ -2346,7 +2351,7 @@
           <a:p>
             <a:fld id="{B5B64EBE-96C9-45E3-A719-76459E229680}" type="datetimeFigureOut">
               <a:rPr lang="ko-KR" altLang="en-US" smtClean="0"/>
-              <a:t>2023-10-20</a:t>
+              <a:t>2023-10-23</a:t>
             </a:fld>
             <a:endParaRPr lang="ko-KR" altLang="en-US"/>
           </a:p>
@@ -2559,7 +2564,7 @@
           <a:p>
             <a:fld id="{B5B64EBE-96C9-45E3-A719-76459E229680}" type="datetimeFigureOut">
               <a:rPr lang="ko-KR" altLang="en-US" smtClean="0"/>
-              <a:t>2023-10-20</a:t>
+              <a:t>2023-10-23</a:t>
             </a:fld>
             <a:endParaRPr lang="ko-KR" altLang="en-US"/>
           </a:p>
@@ -2966,21 +2971,21 @@
       </p:grpSpPr>
       <p:grpSp>
         <p:nvGrpSpPr>
-          <p:cNvPr id="46" name="그룹 45"/>
+          <p:cNvPr id="3" name="그룹 2"/>
           <p:cNvGrpSpPr/>
           <p:nvPr/>
         </p:nvGrpSpPr>
         <p:grpSpPr>
           <a:xfrm>
-            <a:off x="1728904" y="-1388918"/>
-            <a:ext cx="9144792" cy="8477692"/>
-            <a:chOff x="1728904" y="-1388918"/>
-            <a:chExt cx="9144792" cy="8477692"/>
+            <a:off x="2383925" y="0"/>
+            <a:ext cx="7424150" cy="6858000"/>
+            <a:chOff x="2383925" y="0"/>
+            <a:chExt cx="7424150" cy="6858000"/>
           </a:xfrm>
         </p:grpSpPr>
         <p:pic>
           <p:nvPicPr>
-            <p:cNvPr id="4" name="그림 3"/>
+            <p:cNvPr id="2" name="그림 1"/>
             <p:cNvPicPr>
               <a:picLocks noChangeAspect="1"/>
             </p:cNvPicPr>
@@ -3000,8 +3005,8 @@
           </p:blipFill>
           <p:spPr>
             <a:xfrm>
-              <a:off x="1728904" y="-1388918"/>
-              <a:ext cx="9144792" cy="8433531"/>
+              <a:off x="2383925" y="0"/>
+              <a:ext cx="7424150" cy="6858000"/>
             </a:xfrm>
             <a:prstGeom prst="rect">
               <a:avLst/>
@@ -3010,33 +3015,35 @@
         </p:pic>
         <p:cxnSp>
           <p:nvCxnSpPr>
-            <p:cNvPr id="6" name="직선 연결선 5"/>
+            <p:cNvPr id="5" name="직선 연결선 4"/>
             <p:cNvCxnSpPr/>
             <p:nvPr/>
           </p:nvCxnSpPr>
           <p:spPr>
-            <a:xfrm flipV="1">
-              <a:off x="4843463" y="61914"/>
-              <a:ext cx="1819275" cy="3150392"/>
+            <a:xfrm flipH="1">
+              <a:off x="4930775" y="1225550"/>
+              <a:ext cx="1450975" cy="2508250"/>
             </a:xfrm>
             <a:prstGeom prst="line">
               <a:avLst/>
             </a:prstGeom>
-            <a:ln>
+            <a:ln w="9525">
               <a:solidFill>
-                <a:srgbClr val="C00000"/>
+                <a:srgbClr val="C00000">
+                  <a:alpha val="50000"/>
+                </a:srgbClr>
               </a:solidFill>
             </a:ln>
           </p:spPr>
           <p:style>
             <a:lnRef idx="1">
-              <a:schemeClr val="accent2"/>
+              <a:schemeClr val="accent1"/>
             </a:lnRef>
             <a:fillRef idx="0">
-              <a:schemeClr val="accent2"/>
+              <a:schemeClr val="accent1"/>
             </a:fillRef>
             <a:effectRef idx="0">
-              <a:schemeClr val="accent2"/>
+              <a:schemeClr val="accent1"/>
             </a:effectRef>
             <a:fontRef idx="minor">
               <a:schemeClr val="tx1"/>
@@ -3045,33 +3052,35 @@
         </p:cxnSp>
         <p:cxnSp>
           <p:nvCxnSpPr>
-            <p:cNvPr id="10" name="직선 연결선 9"/>
+            <p:cNvPr id="27" name="직선 연결선 26"/>
             <p:cNvCxnSpPr/>
             <p:nvPr/>
           </p:nvCxnSpPr>
           <p:spPr>
-            <a:xfrm flipV="1">
-              <a:off x="5391662" y="1000127"/>
-              <a:ext cx="1819275" cy="3150392"/>
+            <a:xfrm flipH="1">
+              <a:off x="5370512" y="1973262"/>
+              <a:ext cx="1450975" cy="2508250"/>
             </a:xfrm>
             <a:prstGeom prst="line">
               <a:avLst/>
             </a:prstGeom>
-            <a:ln>
+            <a:ln w="9525">
               <a:solidFill>
-                <a:srgbClr val="C00000"/>
+                <a:srgbClr val="C00000">
+                  <a:alpha val="50000"/>
+                </a:srgbClr>
               </a:solidFill>
             </a:ln>
           </p:spPr>
           <p:style>
             <a:lnRef idx="1">
-              <a:schemeClr val="accent2"/>
+              <a:schemeClr val="accent1"/>
             </a:lnRef>
             <a:fillRef idx="0">
-              <a:schemeClr val="accent2"/>
+              <a:schemeClr val="accent1"/>
             </a:fillRef>
             <a:effectRef idx="0">
-              <a:schemeClr val="accent2"/>
+              <a:schemeClr val="accent1"/>
             </a:effectRef>
             <a:fontRef idx="minor">
               <a:schemeClr val="tx1"/>
@@ -3080,33 +3089,35 @@
         </p:cxnSp>
         <p:cxnSp>
           <p:nvCxnSpPr>
-            <p:cNvPr id="11" name="직선 연결선 10"/>
+            <p:cNvPr id="28" name="직선 연결선 27"/>
             <p:cNvCxnSpPr/>
             <p:nvPr/>
           </p:nvCxnSpPr>
           <p:spPr>
-            <a:xfrm flipH="1" flipV="1">
-              <a:off x="5567363" y="683420"/>
-              <a:ext cx="369093" cy="628649"/>
+            <a:xfrm>
+              <a:off x="5514976" y="1719263"/>
+              <a:ext cx="292893" cy="507206"/>
             </a:xfrm>
             <a:prstGeom prst="line">
               <a:avLst/>
             </a:prstGeom>
-            <a:ln>
+            <a:ln w="9525">
               <a:solidFill>
-                <a:srgbClr val="C00000"/>
+                <a:srgbClr val="C00000">
+                  <a:alpha val="50000"/>
+                </a:srgbClr>
               </a:solidFill>
             </a:ln>
           </p:spPr>
           <p:style>
             <a:lnRef idx="1">
-              <a:schemeClr val="accent2"/>
+              <a:schemeClr val="accent1"/>
             </a:lnRef>
             <a:fillRef idx="0">
-              <a:schemeClr val="accent2"/>
+              <a:schemeClr val="accent1"/>
             </a:fillRef>
             <a:effectRef idx="0">
-              <a:schemeClr val="accent2"/>
+              <a:schemeClr val="accent1"/>
             </a:effectRef>
             <a:fontRef idx="minor">
               <a:schemeClr val="tx1"/>
@@ -3115,33 +3126,35 @@
         </p:cxnSp>
         <p:cxnSp>
           <p:nvCxnSpPr>
-            <p:cNvPr id="20" name="직선 연결선 19"/>
+            <p:cNvPr id="37" name="직선 연결선 36"/>
             <p:cNvCxnSpPr/>
             <p:nvPr/>
           </p:nvCxnSpPr>
           <p:spPr>
-            <a:xfrm flipH="1" flipV="1">
-              <a:off x="5212556" y="1331119"/>
-              <a:ext cx="354805" cy="616744"/>
+            <a:xfrm>
+              <a:off x="5222083" y="2226072"/>
+              <a:ext cx="292893" cy="507206"/>
             </a:xfrm>
             <a:prstGeom prst="line">
               <a:avLst/>
             </a:prstGeom>
-            <a:ln>
+            <a:ln w="9525">
               <a:solidFill>
-                <a:srgbClr val="C00000"/>
+                <a:srgbClr val="C00000">
+                  <a:alpha val="50000"/>
+                </a:srgbClr>
               </a:solidFill>
             </a:ln>
           </p:spPr>
           <p:style>
             <a:lnRef idx="1">
-              <a:schemeClr val="accent2"/>
+              <a:schemeClr val="accent1"/>
             </a:lnRef>
             <a:fillRef idx="0">
-              <a:schemeClr val="accent2"/>
+              <a:schemeClr val="accent1"/>
             </a:fillRef>
             <a:effectRef idx="0">
-              <a:schemeClr val="accent2"/>
+              <a:schemeClr val="accent1"/>
             </a:effectRef>
             <a:fontRef idx="minor">
               <a:schemeClr val="tx1"/>
@@ -3150,33 +3163,35 @@
         </p:cxnSp>
         <p:cxnSp>
           <p:nvCxnSpPr>
-            <p:cNvPr id="21" name="직선 연결선 20"/>
+            <p:cNvPr id="44" name="직선 연결선 43"/>
             <p:cNvCxnSpPr/>
             <p:nvPr/>
           </p:nvCxnSpPr>
           <p:spPr>
-            <a:xfrm flipH="1" flipV="1">
-              <a:off x="5760755" y="1637110"/>
-              <a:ext cx="1450184" cy="2513410"/>
+            <a:xfrm>
+              <a:off x="5661820" y="2481260"/>
+              <a:ext cx="1159667" cy="2008536"/>
             </a:xfrm>
             <a:prstGeom prst="line">
               <a:avLst/>
             </a:prstGeom>
-            <a:ln>
+            <a:ln w="9525">
               <a:solidFill>
-                <a:srgbClr val="C00000"/>
+                <a:srgbClr val="C00000">
+                  <a:alpha val="50000"/>
+                </a:srgbClr>
               </a:solidFill>
             </a:ln>
           </p:spPr>
           <p:style>
             <a:lnRef idx="1">
-              <a:schemeClr val="accent2"/>
+              <a:schemeClr val="accent1"/>
             </a:lnRef>
             <a:fillRef idx="0">
-              <a:schemeClr val="accent2"/>
+              <a:schemeClr val="accent1"/>
             </a:fillRef>
             <a:effectRef idx="0">
-              <a:schemeClr val="accent2"/>
+              <a:schemeClr val="accent1"/>
             </a:effectRef>
             <a:fontRef idx="minor">
               <a:schemeClr val="tx1"/>
@@ -3185,14 +3200,14 @@
         </p:cxnSp>
         <p:sp>
           <p:nvSpPr>
-            <p:cNvPr id="29" name="TextBox 28"/>
+            <p:cNvPr id="14" name="TextBox 13"/>
             <p:cNvSpPr txBox="1"/>
             <p:nvPr/>
           </p:nvSpPr>
           <p:spPr>
             <a:xfrm>
-              <a:off x="4754415" y="2047637"/>
-              <a:ext cx="503853" cy="369332"/>
+              <a:off x="5091908" y="2479675"/>
+              <a:ext cx="260350" cy="369332"/>
             </a:xfrm>
             <a:prstGeom prst="rect">
               <a:avLst/>
@@ -3207,23 +3222,31 @@
             <a:p>
               <a:pPr algn="ctr"/>
               <a:r>
-                <a:rPr lang="en-US" altLang="ko-KR" b="1" smtClean="0"/>
-                <a:t>A</a:t>
+                <a:rPr lang="en-US" altLang="ko-KR" b="1" dirty="0" smtClean="0">
+                  <a:solidFill>
+                    <a:srgbClr val="C00000"/>
+                  </a:solidFill>
+                </a:rPr>
+                <a:t>a</a:t>
               </a:r>
-              <a:endParaRPr lang="ko-KR" altLang="en-US" b="1" dirty="0"/>
+              <a:endParaRPr lang="ko-KR" altLang="en-US" b="1" dirty="0">
+                <a:solidFill>
+                  <a:srgbClr val="C00000"/>
+                </a:solidFill>
+              </a:endParaRPr>
             </a:p>
           </p:txBody>
         </p:sp>
         <p:sp>
           <p:nvSpPr>
-            <p:cNvPr id="30" name="TextBox 29"/>
+            <p:cNvPr id="47" name="TextBox 46"/>
             <p:cNvSpPr txBox="1"/>
             <p:nvPr/>
           </p:nvSpPr>
           <p:spPr>
             <a:xfrm>
-              <a:off x="5317508" y="1102282"/>
-              <a:ext cx="503853" cy="369332"/>
+              <a:off x="5403055" y="1996199"/>
+              <a:ext cx="260350" cy="369332"/>
             </a:xfrm>
             <a:prstGeom prst="rect">
               <a:avLst/>
@@ -3238,23 +3261,31 @@
             <a:p>
               <a:pPr algn="ctr"/>
               <a:r>
-                <a:rPr lang="en-US" altLang="ko-KR" b="1" dirty="0" smtClean="0"/>
-                <a:t>B</a:t>
+                <a:rPr lang="en-US" altLang="ko-KR" b="1" smtClean="0">
+                  <a:solidFill>
+                    <a:srgbClr val="C00000"/>
+                  </a:solidFill>
+                </a:rPr>
+                <a:t>b</a:t>
               </a:r>
-              <a:endParaRPr lang="ko-KR" altLang="en-US" b="1" dirty="0"/>
+              <a:endParaRPr lang="ko-KR" altLang="en-US" b="1" dirty="0">
+                <a:solidFill>
+                  <a:srgbClr val="C00000"/>
+                </a:solidFill>
+              </a:endParaRPr>
             </a:p>
           </p:txBody>
         </p:sp>
         <p:sp>
           <p:nvSpPr>
-            <p:cNvPr id="31" name="TextBox 30"/>
+            <p:cNvPr id="48" name="TextBox 47"/>
             <p:cNvSpPr txBox="1"/>
             <p:nvPr/>
           </p:nvSpPr>
           <p:spPr>
             <a:xfrm>
-              <a:off x="5821361" y="173713"/>
-              <a:ext cx="503853" cy="369332"/>
+              <a:off x="5811042" y="1279806"/>
+              <a:ext cx="260350" cy="369332"/>
             </a:xfrm>
             <a:prstGeom prst="rect">
               <a:avLst/>
@@ -3269,23 +3300,31 @@
             <a:p>
               <a:pPr algn="ctr"/>
               <a:r>
-                <a:rPr lang="en-US" altLang="ko-KR" b="1" dirty="0" smtClean="0"/>
-                <a:t>C</a:t>
+                <a:rPr lang="en-US" altLang="ko-KR" b="1" dirty="0" smtClean="0">
+                  <a:solidFill>
+                    <a:srgbClr val="C00000"/>
+                  </a:solidFill>
+                </a:rPr>
+                <a:t>c</a:t>
               </a:r>
-              <a:endParaRPr lang="ko-KR" altLang="en-US" b="1" dirty="0"/>
+              <a:endParaRPr lang="ko-KR" altLang="en-US" b="1" dirty="0">
+                <a:solidFill>
+                  <a:srgbClr val="C00000"/>
+                </a:solidFill>
+              </a:endParaRPr>
             </a:p>
           </p:txBody>
         </p:sp>
         <p:sp>
           <p:nvSpPr>
-            <p:cNvPr id="32" name="TextBox 31"/>
+            <p:cNvPr id="49" name="TextBox 48"/>
             <p:cNvSpPr txBox="1"/>
             <p:nvPr/>
           </p:nvSpPr>
           <p:spPr>
             <a:xfrm>
-              <a:off x="5387585" y="2740819"/>
-              <a:ext cx="503853" cy="369332"/>
+              <a:off x="5403055" y="3267353"/>
+              <a:ext cx="260350" cy="369332"/>
             </a:xfrm>
             <a:prstGeom prst="rect">
               <a:avLst/>
@@ -3300,23 +3339,31 @@
             <a:p>
               <a:pPr algn="ctr"/>
               <a:r>
-                <a:rPr lang="en-US" altLang="ko-KR" b="1" dirty="0" smtClean="0"/>
-                <a:t>D</a:t>
+                <a:rPr lang="en-US" altLang="ko-KR" b="1" smtClean="0">
+                  <a:solidFill>
+                    <a:srgbClr val="C00000"/>
+                  </a:solidFill>
+                </a:rPr>
+                <a:t>d</a:t>
               </a:r>
-              <a:endParaRPr lang="ko-KR" altLang="en-US" b="1" dirty="0"/>
+              <a:endParaRPr lang="ko-KR" altLang="en-US" b="1" dirty="0">
+                <a:solidFill>
+                  <a:srgbClr val="C00000"/>
+                </a:solidFill>
+              </a:endParaRPr>
             </a:p>
           </p:txBody>
         </p:sp>
         <p:sp>
           <p:nvSpPr>
-            <p:cNvPr id="33" name="TextBox 32"/>
+            <p:cNvPr id="50" name="TextBox 49"/>
             <p:cNvSpPr txBox="1"/>
             <p:nvPr/>
           </p:nvSpPr>
           <p:spPr>
             <a:xfrm>
-              <a:off x="6209051" y="1102282"/>
-              <a:ext cx="503853" cy="369332"/>
+              <a:off x="6233321" y="1996199"/>
+              <a:ext cx="260350" cy="369332"/>
             </a:xfrm>
             <a:prstGeom prst="rect">
               <a:avLst/>
@@ -3331,23 +3378,31 @@
             <a:p>
               <a:pPr algn="ctr"/>
               <a:r>
-                <a:rPr lang="en-US" altLang="ko-KR" b="1" dirty="0" smtClean="0"/>
-                <a:t>E</a:t>
+                <a:rPr lang="en-US" altLang="ko-KR" b="1" dirty="0" smtClean="0">
+                  <a:solidFill>
+                    <a:srgbClr val="C00000"/>
+                  </a:solidFill>
+                </a:rPr>
+                <a:t>e</a:t>
               </a:r>
-              <a:endParaRPr lang="ko-KR" altLang="en-US" b="1" dirty="0"/>
+              <a:endParaRPr lang="ko-KR" altLang="en-US" b="1" dirty="0">
+                <a:solidFill>
+                  <a:srgbClr val="C00000"/>
+                </a:solidFill>
+              </a:endParaRPr>
             </a:p>
           </p:txBody>
         </p:sp>
         <p:sp>
           <p:nvSpPr>
-            <p:cNvPr id="34" name="TextBox 33"/>
+            <p:cNvPr id="51" name="TextBox 50"/>
             <p:cNvSpPr txBox="1"/>
             <p:nvPr/>
           </p:nvSpPr>
           <p:spPr>
             <a:xfrm>
-              <a:off x="6049372" y="3946733"/>
-              <a:ext cx="503853" cy="369332"/>
+              <a:off x="5966224" y="4296846"/>
+              <a:ext cx="260350" cy="369332"/>
             </a:xfrm>
             <a:prstGeom prst="rect">
               <a:avLst/>
@@ -3362,23 +3417,31 @@
             <a:p>
               <a:pPr algn="ctr"/>
               <a:r>
-                <a:rPr lang="en-US" altLang="ko-KR" b="1" dirty="0" smtClean="0"/>
-                <a:t>F</a:t>
+                <a:rPr lang="en-US" altLang="ko-KR" b="1" smtClean="0">
+                  <a:solidFill>
+                    <a:srgbClr val="C00000"/>
+                  </a:solidFill>
+                </a:rPr>
+                <a:t>f</a:t>
               </a:r>
-              <a:endParaRPr lang="ko-KR" altLang="en-US" b="1" dirty="0"/>
+              <a:endParaRPr lang="ko-KR" altLang="en-US" b="1" dirty="0">
+                <a:solidFill>
+                  <a:srgbClr val="C00000"/>
+                </a:solidFill>
+              </a:endParaRPr>
             </a:p>
           </p:txBody>
         </p:sp>
         <p:sp>
           <p:nvSpPr>
-            <p:cNvPr id="35" name="TextBox 34"/>
+            <p:cNvPr id="52" name="TextBox 51"/>
             <p:cNvSpPr txBox="1"/>
             <p:nvPr/>
           </p:nvSpPr>
           <p:spPr>
             <a:xfrm>
-              <a:off x="6950362" y="2371487"/>
-              <a:ext cx="503853" cy="369332"/>
+              <a:off x="6691312" y="3042721"/>
+              <a:ext cx="260350" cy="369332"/>
             </a:xfrm>
             <a:prstGeom prst="rect">
               <a:avLst/>
@@ -3393,23 +3456,31 @@
             <a:p>
               <a:pPr algn="ctr"/>
               <a:r>
-                <a:rPr lang="en-US" altLang="ko-KR" b="1" dirty="0" smtClean="0"/>
-                <a:t>G</a:t>
+                <a:rPr lang="en-US" altLang="ko-KR" b="1" smtClean="0">
+                  <a:solidFill>
+                    <a:srgbClr val="C00000"/>
+                  </a:solidFill>
+                </a:rPr>
+                <a:t>g</a:t>
               </a:r>
-              <a:endParaRPr lang="ko-KR" altLang="en-US" b="1" dirty="0"/>
+              <a:endParaRPr lang="ko-KR" altLang="en-US" b="1" dirty="0">
+                <a:solidFill>
+                  <a:srgbClr val="C00000"/>
+                </a:solidFill>
+              </a:endParaRPr>
             </a:p>
           </p:txBody>
         </p:sp>
         <p:sp>
           <p:nvSpPr>
-            <p:cNvPr id="36" name="TextBox 35"/>
+            <p:cNvPr id="15" name="TextBox 14"/>
             <p:cNvSpPr txBox="1"/>
             <p:nvPr/>
           </p:nvSpPr>
           <p:spPr>
             <a:xfrm rot="18000000">
-              <a:off x="4449848" y="300990"/>
-              <a:ext cx="1807319" cy="307777"/>
+              <a:off x="4639524" y="1712193"/>
+              <a:ext cx="1039811" cy="261610"/>
             </a:xfrm>
             <a:prstGeom prst="rect">
               <a:avLst/>
@@ -3424,32 +3495,33 @@
             </a:bodyPr>
             <a:lstStyle/>
             <a:p>
+              <a:pPr algn="ctr"/>
               <a:r>
-                <a:rPr lang="en-US" altLang="ko-KR" sz="1400" b="1" dirty="0" smtClean="0"/>
+                <a:rPr lang="en-US" altLang="ko-KR" sz="1100" b="1" dirty="0" smtClean="0"/>
                 <a:t>SO</a:t>
               </a:r>
               <a:r>
-                <a:rPr lang="en-US" altLang="ko-KR" sz="1400" b="1" baseline="-25000" dirty="0" smtClean="0"/>
+                <a:rPr lang="en-US" altLang="ko-KR" sz="1100" b="1" baseline="-25000" dirty="0" smtClean="0"/>
                 <a:t>4</a:t>
               </a:r>
               <a:r>
-                <a:rPr lang="en-US" altLang="ko-KR" sz="1400" b="1" dirty="0" smtClean="0"/>
+                <a:rPr lang="en-US" altLang="ko-KR" sz="1100" b="1" dirty="0" smtClean="0"/>
                 <a:t> + Cl</a:t>
               </a:r>
-              <a:endParaRPr lang="ko-KR" altLang="en-US" sz="1400" b="1" dirty="0"/>
+              <a:endParaRPr lang="ko-KR" altLang="en-US" sz="1100" b="1" dirty="0"/>
             </a:p>
           </p:txBody>
         </p:sp>
         <p:sp>
           <p:nvSpPr>
-            <p:cNvPr id="38" name="TextBox 37"/>
+            <p:cNvPr id="53" name="TextBox 52"/>
             <p:cNvSpPr txBox="1"/>
             <p:nvPr/>
           </p:nvSpPr>
           <p:spPr>
-            <a:xfrm rot="18000000">
-              <a:off x="2242077" y="4162177"/>
-              <a:ext cx="1807319" cy="307777"/>
+            <a:xfrm rot="3600000">
+              <a:off x="6560351" y="1753609"/>
+              <a:ext cx="1039811" cy="261610"/>
             </a:xfrm>
             <a:prstGeom prst="rect">
               <a:avLst/>
@@ -3464,24 +3536,25 @@
             </a:bodyPr>
             <a:lstStyle/>
             <a:p>
+              <a:pPr algn="ctr"/>
               <a:r>
-                <a:rPr lang="en-US" altLang="ko-KR" sz="1400" b="1" dirty="0" smtClean="0"/>
-                <a:t>Mg</a:t>
+                <a:rPr lang="en-US" altLang="ko-KR" sz="1100" b="1" smtClean="0"/>
+                <a:t>Ca + Mg</a:t>
               </a:r>
-              <a:endParaRPr lang="ko-KR" altLang="en-US" sz="1400" b="1" dirty="0"/>
+              <a:endParaRPr lang="ko-KR" altLang="en-US" sz="1100" b="1" dirty="0"/>
             </a:p>
           </p:txBody>
         </p:sp>
         <p:sp>
           <p:nvSpPr>
-            <p:cNvPr id="39" name="TextBox 38"/>
+            <p:cNvPr id="54" name="TextBox 53"/>
             <p:cNvSpPr txBox="1"/>
             <p:nvPr/>
           </p:nvSpPr>
           <p:spPr>
-            <a:xfrm>
-              <a:off x="3832192" y="6776205"/>
-              <a:ext cx="1807319" cy="307777"/>
+            <a:xfrm rot="3600000">
+              <a:off x="8386294" y="4893049"/>
+              <a:ext cx="1039811" cy="261610"/>
             </a:xfrm>
             <a:prstGeom prst="rect">
               <a:avLst/>
@@ -3496,24 +3569,29 @@
             </a:bodyPr>
             <a:lstStyle/>
             <a:p>
+              <a:pPr algn="ctr"/>
               <a:r>
-                <a:rPr lang="en-US" altLang="ko-KR" sz="1400" b="1" smtClean="0"/>
-                <a:t>Ca</a:t>
+                <a:rPr lang="en-US" altLang="ko-KR" sz="1100" b="1" dirty="0" smtClean="0"/>
+                <a:t>SO</a:t>
               </a:r>
-              <a:endParaRPr lang="ko-KR" altLang="en-US" sz="1400" b="1" dirty="0"/>
+              <a:r>
+                <a:rPr lang="en-US" altLang="ko-KR" sz="1100" b="1" baseline="-25000" dirty="0" smtClean="0"/>
+                <a:t>4</a:t>
+              </a:r>
+              <a:endParaRPr lang="ko-KR" altLang="en-US" sz="1100" b="1" baseline="-25000" dirty="0"/>
             </a:p>
           </p:txBody>
         </p:sp>
         <p:sp>
           <p:nvSpPr>
-            <p:cNvPr id="40" name="TextBox 39"/>
+            <p:cNvPr id="55" name="TextBox 54"/>
             <p:cNvSpPr txBox="1"/>
             <p:nvPr/>
           </p:nvSpPr>
           <p:spPr>
-            <a:xfrm rot="3600000">
-              <a:off x="4505855" y="5150822"/>
-              <a:ext cx="1807319" cy="307777"/>
+            <a:xfrm rot="18000000">
+              <a:off x="6521556" y="4890877"/>
+              <a:ext cx="1039811" cy="261610"/>
             </a:xfrm>
             <a:prstGeom prst="rect">
               <a:avLst/>
@@ -3528,24 +3606,29 @@
             </a:bodyPr>
             <a:lstStyle/>
             <a:p>
+              <a:pPr algn="ctr"/>
               <a:r>
-                <a:rPr lang="en-US" altLang="ko-KR" sz="1400" b="1" dirty="0" smtClean="0"/>
-                <a:t>Na + K</a:t>
+                <a:rPr lang="en-US" altLang="ko-KR" sz="1100" b="1" dirty="0" smtClean="0"/>
+                <a:t>HCO</a:t>
               </a:r>
-              <a:endParaRPr lang="ko-KR" altLang="en-US" sz="1400" b="1" dirty="0"/>
+              <a:r>
+                <a:rPr lang="en-US" altLang="ko-KR" sz="1100" b="1" baseline="-25000" dirty="0" smtClean="0"/>
+                <a:t>3</a:t>
+              </a:r>
+              <a:endParaRPr lang="ko-KR" altLang="en-US" sz="1100" b="1" baseline="-25000" dirty="0"/>
             </a:p>
           </p:txBody>
         </p:sp>
         <p:sp>
           <p:nvSpPr>
-            <p:cNvPr id="41" name="TextBox 40"/>
+            <p:cNvPr id="56" name="TextBox 55"/>
             <p:cNvSpPr txBox="1"/>
             <p:nvPr/>
           </p:nvSpPr>
           <p:spPr>
-            <a:xfrm rot="3600000">
-              <a:off x="6418334" y="300989"/>
-              <a:ext cx="1807319" cy="307777"/>
+            <a:xfrm rot="18000000">
+              <a:off x="2766694" y="4938502"/>
+              <a:ext cx="1039811" cy="261610"/>
             </a:xfrm>
             <a:prstGeom prst="rect">
               <a:avLst/>
@@ -3560,25 +3643,25 @@
             </a:bodyPr>
             <a:lstStyle/>
             <a:p>
-              <a:pPr algn="r"/>
+              <a:pPr algn="ctr"/>
               <a:r>
-                <a:rPr lang="en-US" altLang="ko-KR" sz="1400" b="1" dirty="0" smtClean="0"/>
-                <a:t>Ca + Mg</a:t>
+                <a:rPr lang="en-US" altLang="ko-KR" sz="1100" b="1" smtClean="0"/>
+                <a:t>Mg</a:t>
               </a:r>
-              <a:endParaRPr lang="ko-KR" altLang="en-US" sz="1400" b="1" dirty="0"/>
+              <a:endParaRPr lang="ko-KR" altLang="en-US" sz="1100" b="1" baseline="-25000" dirty="0"/>
             </a:p>
           </p:txBody>
         </p:sp>
         <p:sp>
           <p:nvSpPr>
-            <p:cNvPr id="42" name="TextBox 41"/>
+            <p:cNvPr id="57" name="TextBox 56"/>
             <p:cNvSpPr txBox="1"/>
             <p:nvPr/>
           </p:nvSpPr>
           <p:spPr>
-            <a:xfrm rot="18000000">
-              <a:off x="6751781" y="4399741"/>
-              <a:ext cx="1807319" cy="307777"/>
+            <a:xfrm rot="3600000">
+              <a:off x="4691810" y="4938502"/>
+              <a:ext cx="1039811" cy="261610"/>
             </a:xfrm>
             <a:prstGeom prst="rect">
               <a:avLst/>
@@ -3593,28 +3676,25 @@
             </a:bodyPr>
             <a:lstStyle/>
             <a:p>
+              <a:pPr algn="ctr"/>
               <a:r>
-                <a:rPr lang="en-US" altLang="ko-KR" sz="1400" b="1" dirty="0" smtClean="0"/>
-                <a:t>HCO</a:t>
+                <a:rPr lang="en-US" altLang="ko-KR" sz="1100" b="1" dirty="0" smtClean="0"/>
+                <a:t>Na + K</a:t>
               </a:r>
-              <a:r>
-                <a:rPr lang="en-US" altLang="ko-KR" sz="1400" b="1" baseline="-25000" dirty="0" smtClean="0"/>
-                <a:t>3</a:t>
-              </a:r>
-              <a:endParaRPr lang="ko-KR" altLang="en-US" sz="1400" b="1" baseline="-25000" dirty="0"/>
+              <a:endParaRPr lang="ko-KR" altLang="en-US" sz="1100" b="1" baseline="-25000" dirty="0"/>
             </a:p>
           </p:txBody>
         </p:sp>
         <p:sp>
           <p:nvSpPr>
-            <p:cNvPr id="43" name="TextBox 42"/>
+            <p:cNvPr id="58" name="TextBox 57"/>
             <p:cNvSpPr txBox="1"/>
             <p:nvPr/>
           </p:nvSpPr>
           <p:spPr>
             <a:xfrm>
-              <a:off x="8518492" y="6780997"/>
-              <a:ext cx="1807319" cy="307777"/>
+              <a:off x="3746385" y="6576829"/>
+              <a:ext cx="1039811" cy="261610"/>
             </a:xfrm>
             <a:prstGeom prst="rect">
               <a:avLst/>
@@ -3629,24 +3709,25 @@
             </a:bodyPr>
             <a:lstStyle/>
             <a:p>
+              <a:pPr algn="ctr"/>
               <a:r>
-                <a:rPr lang="en-US" altLang="ko-KR" sz="1400" b="1" smtClean="0"/>
-                <a:t>Cl</a:t>
+                <a:rPr lang="en-US" altLang="ko-KR" sz="1100" b="1" smtClean="0"/>
+                <a:t>Ca</a:t>
               </a:r>
-              <a:endParaRPr lang="ko-KR" altLang="en-US" sz="1400" b="1" dirty="0"/>
+              <a:endParaRPr lang="ko-KR" altLang="en-US" sz="1100" b="1" baseline="-25000" dirty="0"/>
             </a:p>
           </p:txBody>
         </p:sp>
         <p:sp>
           <p:nvSpPr>
-            <p:cNvPr id="45" name="TextBox 44"/>
+            <p:cNvPr id="59" name="TextBox 58"/>
             <p:cNvSpPr txBox="1"/>
             <p:nvPr/>
           </p:nvSpPr>
           <p:spPr>
-            <a:xfrm rot="3600000">
-              <a:off x="8753715" y="4399742"/>
-              <a:ext cx="1807319" cy="307777"/>
+            <a:xfrm>
+              <a:off x="7493155" y="6576829"/>
+              <a:ext cx="1039811" cy="261610"/>
             </a:xfrm>
             <a:prstGeom prst="rect">
               <a:avLst/>
@@ -3661,16 +3742,12 @@
             </a:bodyPr>
             <a:lstStyle/>
             <a:p>
-              <a:pPr algn="r"/>
+              <a:pPr algn="ctr"/>
               <a:r>
-                <a:rPr lang="en-US" altLang="ko-KR" sz="1400" b="1" dirty="0" smtClean="0"/>
-                <a:t>SO</a:t>
+                <a:rPr lang="en-US" altLang="ko-KR" sz="1100" b="1" smtClean="0"/>
+                <a:t>Cl</a:t>
               </a:r>
-              <a:r>
-                <a:rPr lang="en-US" altLang="ko-KR" sz="1400" b="1" baseline="-25000" dirty="0" smtClean="0"/>
-                <a:t>4</a:t>
-              </a:r>
-              <a:endParaRPr lang="ko-KR" altLang="en-US" sz="1400" b="1" baseline="-25000" dirty="0"/>
+              <a:endParaRPr lang="ko-KR" altLang="en-US" sz="1100" b="1" baseline="-25000" dirty="0"/>
             </a:p>
           </p:txBody>
         </p:sp>
